--- a/week2/Airlines_Safety_Executive_Summary.pptx
+++ b/week2/Airlines_Safety_Executive_Summary.pptx
@@ -110,6 +110,11 @@
       </a:defRPr>
     </a:lvl9pPr>
   </p:defaultTextStyle>
+  <p:extLst>
+    <p:ext uri="{EFAFB233-063F-42B5-8137-9DF3F51BA10A}">
+      <p15:sldGuideLst xmlns:p15="http://schemas.microsoft.com/office/powerpoint/2012/main"/>
+    </p:ext>
+  </p:extLst>
 </p:presentation>
 </file>
 
@@ -2460,7 +2465,7 @@
           <a:p>
             <a:fld id="{3C04E684-10F4-4CC3-A0B9-F03AA7BE37CF}" type="datetimeFigureOut">
               <a:rPr lang="en-US" smtClean="0"/>
-              <a:t>6/25/2020</a:t>
+              <a:t>6/27/2020</a:t>
             </a:fld>
             <a:endParaRPr lang="en-US"/>
           </a:p>
@@ -4950,7 +4955,7 @@
           <a:p>
             <a:fld id="{3C04E684-10F4-4CC3-A0B9-F03AA7BE37CF}" type="datetimeFigureOut">
               <a:rPr lang="en-US" smtClean="0"/>
-              <a:t>6/25/2020</a:t>
+              <a:t>6/27/2020</a:t>
             </a:fld>
             <a:endParaRPr lang="en-US"/>
           </a:p>
@@ -5148,7 +5153,7 @@
           <a:p>
             <a:fld id="{3C04E684-10F4-4CC3-A0B9-F03AA7BE37CF}" type="datetimeFigureOut">
               <a:rPr lang="en-US" smtClean="0"/>
-              <a:t>6/25/2020</a:t>
+              <a:t>6/27/2020</a:t>
             </a:fld>
             <a:endParaRPr lang="en-US"/>
           </a:p>
@@ -5356,7 +5361,7 @@
           <a:p>
             <a:fld id="{3C04E684-10F4-4CC3-A0B9-F03AA7BE37CF}" type="datetimeFigureOut">
               <a:rPr lang="en-US" smtClean="0"/>
-              <a:t>6/25/2020</a:t>
+              <a:t>6/27/2020</a:t>
             </a:fld>
             <a:endParaRPr lang="en-US"/>
           </a:p>
@@ -5764,7 +5769,7 @@
           <a:p>
             <a:fld id="{3C04E684-10F4-4CC3-A0B9-F03AA7BE37CF}" type="datetimeFigureOut">
               <a:rPr lang="en-US" smtClean="0"/>
-              <a:t>6/25/2020</a:t>
+              <a:t>6/27/2020</a:t>
             </a:fld>
             <a:endParaRPr lang="en-US"/>
           </a:p>
@@ -5995,7 +6000,7 @@
           <a:p>
             <a:fld id="{3C04E684-10F4-4CC3-A0B9-F03AA7BE37CF}" type="datetimeFigureOut">
               <a:rPr lang="en-US" smtClean="0"/>
-              <a:t>6/25/2020</a:t>
+              <a:t>6/27/2020</a:t>
             </a:fld>
             <a:endParaRPr lang="en-US"/>
           </a:p>
@@ -7029,7 +7034,7 @@
           <a:p>
             <a:fld id="{3C04E684-10F4-4CC3-A0B9-F03AA7BE37CF}" type="datetimeFigureOut">
               <a:rPr lang="en-US" smtClean="0"/>
-              <a:t>6/25/2020</a:t>
+              <a:t>6/27/2020</a:t>
             </a:fld>
             <a:endParaRPr lang="en-US"/>
           </a:p>
@@ -7301,7 +7306,7 @@
           <a:p>
             <a:fld id="{3C04E684-10F4-4CC3-A0B9-F03AA7BE37CF}" type="datetimeFigureOut">
               <a:rPr lang="en-US" smtClean="0"/>
-              <a:t>6/25/2020</a:t>
+              <a:t>6/27/2020</a:t>
             </a:fld>
             <a:endParaRPr lang="en-US"/>
           </a:p>
@@ -7711,7 +7716,7 @@
           <a:p>
             <a:fld id="{3C04E684-10F4-4CC3-A0B9-F03AA7BE37CF}" type="datetimeFigureOut">
               <a:rPr lang="en-US" smtClean="0"/>
-              <a:t>6/25/2020</a:t>
+              <a:t>6/27/2020</a:t>
             </a:fld>
             <a:endParaRPr lang="en-US"/>
           </a:p>
@@ -7838,7 +7843,7 @@
           <a:p>
             <a:fld id="{3C04E684-10F4-4CC3-A0B9-F03AA7BE37CF}" type="datetimeFigureOut">
               <a:rPr lang="en-US" smtClean="0"/>
-              <a:t>6/25/2020</a:t>
+              <a:t>6/27/2020</a:t>
             </a:fld>
             <a:endParaRPr lang="en-US"/>
           </a:p>
@@ -7933,7 +7938,7 @@
           <a:p>
             <a:fld id="{3C04E684-10F4-4CC3-A0B9-F03AA7BE37CF}" type="datetimeFigureOut">
               <a:rPr lang="en-US" smtClean="0"/>
-              <a:t>6/25/2020</a:t>
+              <a:t>6/27/2020</a:t>
             </a:fld>
             <a:endParaRPr lang="en-US"/>
           </a:p>
@@ -8694,7 +8699,7 @@
           <a:p>
             <a:fld id="{3C04E684-10F4-4CC3-A0B9-F03AA7BE37CF}" type="datetimeFigureOut">
               <a:rPr lang="en-US" smtClean="0"/>
-              <a:t>6/25/2020</a:t>
+              <a:t>6/27/2020</a:t>
             </a:fld>
             <a:endParaRPr lang="en-US"/>
           </a:p>
@@ -9751,7 +9756,7 @@
           <a:p>
             <a:fld id="{3C04E684-10F4-4CC3-A0B9-F03AA7BE37CF}" type="datetimeFigureOut">
               <a:rPr lang="en-US" smtClean="0"/>
-              <a:t>6/25/2020</a:t>
+              <a:t>6/27/2020</a:t>
             </a:fld>
             <a:endParaRPr lang="en-US"/>
           </a:p>
@@ -10859,7 +10864,7 @@
           <a:p>
             <a:fld id="{3C04E684-10F4-4CC3-A0B9-F03AA7BE37CF}" type="datetimeFigureOut">
               <a:rPr lang="en-US" smtClean="0"/>
-              <a:t>6/25/2020</a:t>
+              <a:t>6/27/2020</a:t>
             </a:fld>
             <a:endParaRPr lang="en-US"/>
           </a:p>
@@ -11927,7 +11932,7 @@
           <a:p>
             <a:fld id="{3C04E684-10F4-4CC3-A0B9-F03AA7BE37CF}" type="datetimeFigureOut">
               <a:rPr lang="en-US" smtClean="0"/>
-              <a:t>6/25/2020</a:t>
+              <a:t>6/27/2020</a:t>
             </a:fld>
             <a:endParaRPr lang="en-US"/>
           </a:p>
@@ -12907,7 +12912,7 @@
           <a:p>
             <a:fld id="{3C04E684-10F4-4CC3-A0B9-F03AA7BE37CF}" type="datetimeFigureOut">
               <a:rPr lang="en-US" smtClean="0"/>
-              <a:t>6/25/2020</a:t>
+              <a:t>6/27/2020</a:t>
             </a:fld>
             <a:endParaRPr lang="en-US"/>
           </a:p>
@@ -14041,7 +14046,7 @@
           <a:p>
             <a:fld id="{3C04E684-10F4-4CC3-A0B9-F03AA7BE37CF}" type="datetimeFigureOut">
               <a:rPr lang="en-US" smtClean="0"/>
-              <a:t>6/25/2020</a:t>
+              <a:t>6/27/2020</a:t>
             </a:fld>
             <a:endParaRPr lang="en-US"/>
           </a:p>
@@ -15074,7 +15079,7 @@
           <a:p>
             <a:fld id="{3C04E684-10F4-4CC3-A0B9-F03AA7BE37CF}" type="datetimeFigureOut">
               <a:rPr lang="en-US" smtClean="0"/>
-              <a:t>6/25/2020</a:t>
+              <a:t>6/27/2020</a:t>
             </a:fld>
             <a:endParaRPr lang="en-US"/>
           </a:p>
@@ -15734,7 +15739,7 @@
           <a:p>
             <a:fld id="{3C04E684-10F4-4CC3-A0B9-F03AA7BE37CF}" type="datetimeFigureOut">
               <a:rPr lang="en-US" smtClean="0"/>
-              <a:t>6/25/2020</a:t>
+              <a:t>6/27/2020</a:t>
             </a:fld>
             <a:endParaRPr lang="en-US"/>
           </a:p>
@@ -16595,7 +16600,7 @@
           <a:p>
             <a:fld id="{3C04E684-10F4-4CC3-A0B9-F03AA7BE37CF}" type="datetimeFigureOut">
               <a:rPr lang="en-US" smtClean="0"/>
-              <a:t>6/25/2020</a:t>
+              <a:t>6/27/2020</a:t>
             </a:fld>
             <a:endParaRPr lang="en-US"/>
           </a:p>
@@ -16785,7 +16790,7 @@
           <a:p>
             <a:fld id="{3C04E684-10F4-4CC3-A0B9-F03AA7BE37CF}" type="datetimeFigureOut">
               <a:rPr lang="en-US" smtClean="0"/>
-              <a:t>6/25/2020</a:t>
+              <a:t>6/27/2020</a:t>
             </a:fld>
             <a:endParaRPr lang="en-US"/>
           </a:p>
@@ -17757,7 +17762,7 @@
           <a:p>
             <a:fld id="{3C04E684-10F4-4CC3-A0B9-F03AA7BE37CF}" type="datetimeFigureOut">
               <a:rPr lang="en-US" smtClean="0"/>
-              <a:t>6/25/2020</a:t>
+              <a:t>6/27/2020</a:t>
             </a:fld>
             <a:endParaRPr lang="en-US"/>
           </a:p>
@@ -18423,7 +18428,7 @@
           <a:p>
             <a:fld id="{3C04E684-10F4-4CC3-A0B9-F03AA7BE37CF}" type="datetimeFigureOut">
               <a:rPr lang="en-US" smtClean="0"/>
-              <a:t>6/25/2020</a:t>
+              <a:t>6/27/2020</a:t>
             </a:fld>
             <a:endParaRPr lang="en-US"/>
           </a:p>
@@ -19223,7 +19228,7 @@
           <a:p>
             <a:fld id="{3C04E684-10F4-4CC3-A0B9-F03AA7BE37CF}" type="datetimeFigureOut">
               <a:rPr lang="en-US" smtClean="0"/>
-              <a:t>6/25/2020</a:t>
+              <a:t>6/27/2020</a:t>
             </a:fld>
             <a:endParaRPr lang="en-US"/>
           </a:p>
@@ -20174,7 +20179,7 @@
           <a:p>
             <a:fld id="{3C04E684-10F4-4CC3-A0B9-F03AA7BE37CF}" type="datetimeFigureOut">
               <a:rPr lang="en-US" smtClean="0"/>
-              <a:t>6/25/2020</a:t>
+              <a:t>6/27/2020</a:t>
             </a:fld>
             <a:endParaRPr lang="en-US"/>
           </a:p>
@@ -22523,7 +22528,7 @@
           <a:p>
             <a:fld id="{3C04E684-10F4-4CC3-A0B9-F03AA7BE37CF}" type="datetimeFigureOut">
               <a:rPr lang="en-US" smtClean="0"/>
-              <a:t>6/25/2020</a:t>
+              <a:t>6/27/2020</a:t>
             </a:fld>
             <a:endParaRPr lang="en-US"/>
           </a:p>
@@ -22636,7 +22641,7 @@
           <a:p>
             <a:fld id="{3C04E684-10F4-4CC3-A0B9-F03AA7BE37CF}" type="datetimeFigureOut">
               <a:rPr lang="en-US" smtClean="0"/>
-              <a:t>6/25/2020</a:t>
+              <a:t>6/27/2020</a:t>
             </a:fld>
             <a:endParaRPr lang="en-US"/>
           </a:p>
@@ -23143,7 +23148,7 @@
           <a:p>
             <a:fld id="{3C04E684-10F4-4CC3-A0B9-F03AA7BE37CF}" type="datetimeFigureOut">
               <a:rPr lang="en-US" smtClean="0"/>
-              <a:t>6/25/2020</a:t>
+              <a:t>6/27/2020</a:t>
             </a:fld>
             <a:endParaRPr lang="en-US"/>
           </a:p>
@@ -24446,7 +24451,7 @@
           <a:p>
             <a:fld id="{3C04E684-10F4-4CC3-A0B9-F03AA7BE37CF}" type="datetimeFigureOut">
               <a:rPr lang="en-US" smtClean="0"/>
-              <a:t>6/25/2020</a:t>
+              <a:t>6/27/2020</a:t>
             </a:fld>
             <a:endParaRPr lang="en-US"/>
           </a:p>
@@ -24693,7 +24698,7 @@
           <a:p>
             <a:fld id="{3C04E684-10F4-4CC3-A0B9-F03AA7BE37CF}" type="datetimeFigureOut">
               <a:rPr lang="en-US" smtClean="0"/>
-              <a:t>6/25/2020</a:t>
+              <a:t>6/27/2020</a:t>
             </a:fld>
             <a:endParaRPr lang="en-US"/>
           </a:p>
@@ -25994,7 +25999,7 @@
           <a:p>
             <a:fld id="{3C04E684-10F4-4CC3-A0B9-F03AA7BE37CF}" type="datetimeFigureOut">
               <a:rPr lang="en-US" smtClean="0"/>
-              <a:t>6/25/2020</a:t>
+              <a:t>6/27/2020</a:t>
             </a:fld>
             <a:endParaRPr lang="en-US"/>
           </a:p>
@@ -27261,7 +27266,7 @@
           <a:p>
             <a:r>
               <a:rPr lang="en-US" dirty="0"/>
-              <a:t>Airline Fatalities in 1985-99 Vs 2000-14</a:t>
+              <a:t>Airline accidents in 1985-99 Vs 2000-14</a:t>
             </a:r>
           </a:p>
         </p:txBody>
@@ -27342,7 +27347,7 @@
             </a:pPr>
             <a:r>
               <a:rPr lang="en-US" sz="1400" dirty="0"/>
-              <a:t>That means airline fatalities are less like occur today than couple of decades ago. This could be due to advancement in technology and improved safety measures</a:t>
+              <a:t>That means airline accidents are less like occur today than couple of decades ago. This could be due to advancement in technology and improved safety measures</a:t>
             </a:r>
           </a:p>
           <a:p>
